--- a/showcase/prese.pptx
+++ b/showcase/prese.pptx
@@ -4,6 +4,9 @@
   <p:sldMasterIdLst>
     <p:sldMasterId id="2147483648" r:id="rId1"/>
   </p:sldMasterIdLst>
+  <p:notesMasterIdLst>
+    <p:notesMasterId r:id="rId12"/>
+  </p:notesMasterIdLst>
   <p:sldIdLst>
     <p:sldId id="271" r:id="rId2"/>
     <p:sldId id="267" r:id="rId3"/>
@@ -11603,6 +11606,439 @@
 </dgm:styleDef>
 </file>
 
+<file path=ppt/notesMasters/notesMaster1.xml><?xml version="1.0" encoding="utf-8"?>
+<p:notesMaster xmlns:a="http://schemas.openxmlformats.org/drawingml/2006/main" xmlns:r="http://schemas.openxmlformats.org/officeDocument/2006/relationships" xmlns:p="http://schemas.openxmlformats.org/presentationml/2006/main">
+  <p:cSld>
+    <p:bg>
+      <p:bgRef idx="1001">
+        <a:schemeClr val="bg1"/>
+      </p:bgRef>
+    </p:bg>
+    <p:spTree>
+      <p:nvGrpSpPr>
+        <p:cNvPr id="1" name=""/>
+        <p:cNvGrpSpPr/>
+        <p:nvPr/>
+      </p:nvGrpSpPr>
+      <p:grpSpPr>
+        <a:xfrm>
+          <a:off x="0" y="0"/>
+          <a:ext cx="0" cy="0"/>
+          <a:chOff x="0" y="0"/>
+          <a:chExt cx="0" cy="0"/>
+        </a:xfrm>
+      </p:grpSpPr>
+      <p:sp>
+        <p:nvSpPr>
+          <p:cNvPr id="2" name="Segnaposto intestazione 1"/>
+          <p:cNvSpPr>
+            <a:spLocks noGrp="1"/>
+          </p:cNvSpPr>
+          <p:nvPr>
+            <p:ph type="hdr" sz="quarter"/>
+          </p:nvPr>
+        </p:nvSpPr>
+        <p:spPr>
+          <a:xfrm>
+            <a:off x="0" y="0"/>
+            <a:ext cx="2971800" cy="458788"/>
+          </a:xfrm>
+          <a:prstGeom prst="rect">
+            <a:avLst/>
+          </a:prstGeom>
+        </p:spPr>
+        <p:txBody>
+          <a:bodyPr vert="horz" lIns="91440" tIns="45720" rIns="91440" bIns="45720" rtlCol="0"/>
+          <a:lstStyle>
+            <a:lvl1pPr algn="l">
+              <a:defRPr sz="1200"/>
+            </a:lvl1pPr>
+          </a:lstStyle>
+          <a:p>
+            <a:endParaRPr lang="it-IT"/>
+          </a:p>
+        </p:txBody>
+      </p:sp>
+      <p:sp>
+        <p:nvSpPr>
+          <p:cNvPr id="3" name="Segnaposto data 2"/>
+          <p:cNvSpPr>
+            <a:spLocks noGrp="1"/>
+          </p:cNvSpPr>
+          <p:nvPr>
+            <p:ph type="dt" idx="1"/>
+          </p:nvPr>
+        </p:nvSpPr>
+        <p:spPr>
+          <a:xfrm>
+            <a:off x="3884613" y="0"/>
+            <a:ext cx="2971800" cy="458788"/>
+          </a:xfrm>
+          <a:prstGeom prst="rect">
+            <a:avLst/>
+          </a:prstGeom>
+        </p:spPr>
+        <p:txBody>
+          <a:bodyPr vert="horz" lIns="91440" tIns="45720" rIns="91440" bIns="45720" rtlCol="0"/>
+          <a:lstStyle>
+            <a:lvl1pPr algn="r">
+              <a:defRPr sz="1200"/>
+            </a:lvl1pPr>
+          </a:lstStyle>
+          <a:p>
+            <a:fld id="{DFD357FE-BBC3-4DED-AFC2-2EF6F7E33DD5}" type="datetimeFigureOut">
+              <a:rPr lang="it-IT" smtClean="0"/>
+              <a:t>mer 19/04/y</a:t>
+            </a:fld>
+            <a:endParaRPr lang="it-IT"/>
+          </a:p>
+        </p:txBody>
+      </p:sp>
+      <p:sp>
+        <p:nvSpPr>
+          <p:cNvPr id="4" name="Segnaposto immagine diapositiva 3"/>
+          <p:cNvSpPr>
+            <a:spLocks noGrp="1" noRot="1" noChangeAspect="1"/>
+          </p:cNvSpPr>
+          <p:nvPr>
+            <p:ph type="sldImg" idx="2"/>
+          </p:nvPr>
+        </p:nvSpPr>
+        <p:spPr>
+          <a:xfrm>
+            <a:off x="685800" y="1143000"/>
+            <a:ext cx="5486400" cy="3086100"/>
+          </a:xfrm>
+          <a:prstGeom prst="rect">
+            <a:avLst/>
+          </a:prstGeom>
+          <a:noFill/>
+          <a:ln w="12700">
+            <a:solidFill>
+              <a:prstClr val="black"/>
+            </a:solidFill>
+          </a:ln>
+        </p:spPr>
+        <p:txBody>
+          <a:bodyPr vert="horz" lIns="91440" tIns="45720" rIns="91440" bIns="45720" rtlCol="0" anchor="ctr"/>
+          <a:lstStyle/>
+          <a:p>
+            <a:endParaRPr lang="it-IT"/>
+          </a:p>
+        </p:txBody>
+      </p:sp>
+      <p:sp>
+        <p:nvSpPr>
+          <p:cNvPr id="5" name="Segnaposto note 4"/>
+          <p:cNvSpPr>
+            <a:spLocks noGrp="1"/>
+          </p:cNvSpPr>
+          <p:nvPr>
+            <p:ph type="body" sz="quarter" idx="3"/>
+          </p:nvPr>
+        </p:nvSpPr>
+        <p:spPr>
+          <a:xfrm>
+            <a:off x="685800" y="4400550"/>
+            <a:ext cx="5486400" cy="3600450"/>
+          </a:xfrm>
+          <a:prstGeom prst="rect">
+            <a:avLst/>
+          </a:prstGeom>
+        </p:spPr>
+        <p:txBody>
+          <a:bodyPr vert="horz" lIns="91440" tIns="45720" rIns="91440" bIns="45720" rtlCol="0"/>
+          <a:lstStyle/>
+          <a:p>
+            <a:pPr lvl="0"/>
+            <a:r>
+              <a:rPr lang="it-IT"/>
+              <a:t>Fare clic per modificare gli stili del testo dello schema</a:t>
+            </a:r>
+          </a:p>
+          <a:p>
+            <a:pPr lvl="1"/>
+            <a:r>
+              <a:rPr lang="it-IT"/>
+              <a:t>Secondo livello</a:t>
+            </a:r>
+          </a:p>
+          <a:p>
+            <a:pPr lvl="2"/>
+            <a:r>
+              <a:rPr lang="it-IT"/>
+              <a:t>Terzo livello</a:t>
+            </a:r>
+          </a:p>
+          <a:p>
+            <a:pPr lvl="3"/>
+            <a:r>
+              <a:rPr lang="it-IT"/>
+              <a:t>Quarto livello</a:t>
+            </a:r>
+          </a:p>
+          <a:p>
+            <a:pPr lvl="4"/>
+            <a:r>
+              <a:rPr lang="it-IT"/>
+              <a:t>Quinto livello</a:t>
+            </a:r>
+          </a:p>
+        </p:txBody>
+      </p:sp>
+      <p:sp>
+        <p:nvSpPr>
+          <p:cNvPr id="6" name="Segnaposto piè di pagina 5"/>
+          <p:cNvSpPr>
+            <a:spLocks noGrp="1"/>
+          </p:cNvSpPr>
+          <p:nvPr>
+            <p:ph type="ftr" sz="quarter" idx="4"/>
+          </p:nvPr>
+        </p:nvSpPr>
+        <p:spPr>
+          <a:xfrm>
+            <a:off x="0" y="8685213"/>
+            <a:ext cx="2971800" cy="458787"/>
+          </a:xfrm>
+          <a:prstGeom prst="rect">
+            <a:avLst/>
+          </a:prstGeom>
+        </p:spPr>
+        <p:txBody>
+          <a:bodyPr vert="horz" lIns="91440" tIns="45720" rIns="91440" bIns="45720" rtlCol="0" anchor="b"/>
+          <a:lstStyle>
+            <a:lvl1pPr algn="l">
+              <a:defRPr sz="1200"/>
+            </a:lvl1pPr>
+          </a:lstStyle>
+          <a:p>
+            <a:endParaRPr lang="it-IT"/>
+          </a:p>
+        </p:txBody>
+      </p:sp>
+      <p:sp>
+        <p:nvSpPr>
+          <p:cNvPr id="7" name="Segnaposto numero diapositiva 6"/>
+          <p:cNvSpPr>
+            <a:spLocks noGrp="1"/>
+          </p:cNvSpPr>
+          <p:nvPr>
+            <p:ph type="sldNum" sz="quarter" idx="5"/>
+          </p:nvPr>
+        </p:nvSpPr>
+        <p:spPr>
+          <a:xfrm>
+            <a:off x="3884613" y="8685213"/>
+            <a:ext cx="2971800" cy="458787"/>
+          </a:xfrm>
+          <a:prstGeom prst="rect">
+            <a:avLst/>
+          </a:prstGeom>
+        </p:spPr>
+        <p:txBody>
+          <a:bodyPr vert="horz" lIns="91440" tIns="45720" rIns="91440" bIns="45720" rtlCol="0" anchor="b"/>
+          <a:lstStyle>
+            <a:lvl1pPr algn="r">
+              <a:defRPr sz="1200"/>
+            </a:lvl1pPr>
+          </a:lstStyle>
+          <a:p>
+            <a:fld id="{3C77EE30-D0F2-4B05-A195-21ABA69E65F8}" type="slidenum">
+              <a:rPr lang="it-IT" smtClean="0"/>
+              <a:t>‹N›</a:t>
+            </a:fld>
+            <a:endParaRPr lang="it-IT"/>
+          </a:p>
+        </p:txBody>
+      </p:sp>
+    </p:spTree>
+    <p:extLst>
+      <p:ext uri="{BB962C8B-B14F-4D97-AF65-F5344CB8AC3E}">
+        <p14:creationId xmlns:p14="http://schemas.microsoft.com/office/powerpoint/2010/main" val="2697679535"/>
+      </p:ext>
+    </p:extLst>
+  </p:cSld>
+  <p:clrMap bg1="lt1" tx1="dk1" bg2="lt2" tx2="dk2" accent1="accent1" accent2="accent2" accent3="accent3" accent4="accent4" accent5="accent5" accent6="accent6" hlink="hlink" folHlink="folHlink"/>
+  <p:notesStyle>
+    <a:lvl1pPr marL="0" algn="l" defTabSz="914400" rtl="0" eaLnBrk="1" latinLnBrk="0" hangingPunct="1">
+      <a:defRPr sz="1200" kern="1200">
+        <a:solidFill>
+          <a:schemeClr val="tx1"/>
+        </a:solidFill>
+        <a:latin typeface="+mn-lt"/>
+        <a:ea typeface="+mn-ea"/>
+        <a:cs typeface="+mn-cs"/>
+      </a:defRPr>
+    </a:lvl1pPr>
+    <a:lvl2pPr marL="457200" algn="l" defTabSz="914400" rtl="0" eaLnBrk="1" latinLnBrk="0" hangingPunct="1">
+      <a:defRPr sz="1200" kern="1200">
+        <a:solidFill>
+          <a:schemeClr val="tx1"/>
+        </a:solidFill>
+        <a:latin typeface="+mn-lt"/>
+        <a:ea typeface="+mn-ea"/>
+        <a:cs typeface="+mn-cs"/>
+      </a:defRPr>
+    </a:lvl2pPr>
+    <a:lvl3pPr marL="914400" algn="l" defTabSz="914400" rtl="0" eaLnBrk="1" latinLnBrk="0" hangingPunct="1">
+      <a:defRPr sz="1200" kern="1200">
+        <a:solidFill>
+          <a:schemeClr val="tx1"/>
+        </a:solidFill>
+        <a:latin typeface="+mn-lt"/>
+        <a:ea typeface="+mn-ea"/>
+        <a:cs typeface="+mn-cs"/>
+      </a:defRPr>
+    </a:lvl3pPr>
+    <a:lvl4pPr marL="1371600" algn="l" defTabSz="914400" rtl="0" eaLnBrk="1" latinLnBrk="0" hangingPunct="1">
+      <a:defRPr sz="1200" kern="1200">
+        <a:solidFill>
+          <a:schemeClr val="tx1"/>
+        </a:solidFill>
+        <a:latin typeface="+mn-lt"/>
+        <a:ea typeface="+mn-ea"/>
+        <a:cs typeface="+mn-cs"/>
+      </a:defRPr>
+    </a:lvl4pPr>
+    <a:lvl5pPr marL="1828800" algn="l" defTabSz="914400" rtl="0" eaLnBrk="1" latinLnBrk="0" hangingPunct="1">
+      <a:defRPr sz="1200" kern="1200">
+        <a:solidFill>
+          <a:schemeClr val="tx1"/>
+        </a:solidFill>
+        <a:latin typeface="+mn-lt"/>
+        <a:ea typeface="+mn-ea"/>
+        <a:cs typeface="+mn-cs"/>
+      </a:defRPr>
+    </a:lvl5pPr>
+    <a:lvl6pPr marL="2286000" algn="l" defTabSz="914400" rtl="0" eaLnBrk="1" latinLnBrk="0" hangingPunct="1">
+      <a:defRPr sz="1200" kern="1200">
+        <a:solidFill>
+          <a:schemeClr val="tx1"/>
+        </a:solidFill>
+        <a:latin typeface="+mn-lt"/>
+        <a:ea typeface="+mn-ea"/>
+        <a:cs typeface="+mn-cs"/>
+      </a:defRPr>
+    </a:lvl6pPr>
+    <a:lvl7pPr marL="2743200" algn="l" defTabSz="914400" rtl="0" eaLnBrk="1" latinLnBrk="0" hangingPunct="1">
+      <a:defRPr sz="1200" kern="1200">
+        <a:solidFill>
+          <a:schemeClr val="tx1"/>
+        </a:solidFill>
+        <a:latin typeface="+mn-lt"/>
+        <a:ea typeface="+mn-ea"/>
+        <a:cs typeface="+mn-cs"/>
+      </a:defRPr>
+    </a:lvl7pPr>
+    <a:lvl8pPr marL="3200400" algn="l" defTabSz="914400" rtl="0" eaLnBrk="1" latinLnBrk="0" hangingPunct="1">
+      <a:defRPr sz="1200" kern="1200">
+        <a:solidFill>
+          <a:schemeClr val="tx1"/>
+        </a:solidFill>
+        <a:latin typeface="+mn-lt"/>
+        <a:ea typeface="+mn-ea"/>
+        <a:cs typeface="+mn-cs"/>
+      </a:defRPr>
+    </a:lvl8pPr>
+    <a:lvl9pPr marL="3657600" algn="l" defTabSz="914400" rtl="0" eaLnBrk="1" latinLnBrk="0" hangingPunct="1">
+      <a:defRPr sz="1200" kern="1200">
+        <a:solidFill>
+          <a:schemeClr val="tx1"/>
+        </a:solidFill>
+        <a:latin typeface="+mn-lt"/>
+        <a:ea typeface="+mn-ea"/>
+        <a:cs typeface="+mn-cs"/>
+      </a:defRPr>
+    </a:lvl9pPr>
+  </p:notesStyle>
+</p:notesMaster>
+</file>
+
+<file path=ppt/notesSlides/notesSlide1.xml><?xml version="1.0" encoding="utf-8"?>
+<p:notes xmlns:a="http://schemas.openxmlformats.org/drawingml/2006/main" xmlns:r="http://schemas.openxmlformats.org/officeDocument/2006/relationships" xmlns:p="http://schemas.openxmlformats.org/presentationml/2006/main">
+  <p:cSld>
+    <p:spTree>
+      <p:nvGrpSpPr>
+        <p:cNvPr id="1" name=""/>
+        <p:cNvGrpSpPr/>
+        <p:nvPr/>
+      </p:nvGrpSpPr>
+      <p:grpSpPr>
+        <a:xfrm>
+          <a:off x="0" y="0"/>
+          <a:ext cx="0" cy="0"/>
+          <a:chOff x="0" y="0"/>
+          <a:chExt cx="0" cy="0"/>
+        </a:xfrm>
+      </p:grpSpPr>
+      <p:sp>
+        <p:nvSpPr>
+          <p:cNvPr id="2" name="Segnaposto immagine diapositiva 1"/>
+          <p:cNvSpPr>
+            <a:spLocks noGrp="1" noRot="1" noChangeAspect="1"/>
+          </p:cNvSpPr>
+          <p:nvPr>
+            <p:ph type="sldImg"/>
+          </p:nvPr>
+        </p:nvSpPr>
+        <p:spPr/>
+      </p:sp>
+      <p:sp>
+        <p:nvSpPr>
+          <p:cNvPr id="3" name="Segnaposto note 2"/>
+          <p:cNvSpPr>
+            <a:spLocks noGrp="1"/>
+          </p:cNvSpPr>
+          <p:nvPr>
+            <p:ph type="body" idx="1"/>
+          </p:nvPr>
+        </p:nvSpPr>
+        <p:spPr/>
+        <p:txBody>
+          <a:bodyPr/>
+          <a:lstStyle/>
+          <a:p>
+            <a:endParaRPr lang="it-IT" dirty="0"/>
+          </a:p>
+        </p:txBody>
+      </p:sp>
+      <p:sp>
+        <p:nvSpPr>
+          <p:cNvPr id="4" name="Segnaposto numero diapositiva 3"/>
+          <p:cNvSpPr>
+            <a:spLocks noGrp="1"/>
+          </p:cNvSpPr>
+          <p:nvPr>
+            <p:ph type="sldNum" sz="quarter" idx="5"/>
+          </p:nvPr>
+        </p:nvSpPr>
+        <p:spPr/>
+        <p:txBody>
+          <a:bodyPr/>
+          <a:lstStyle/>
+          <a:p>
+            <a:fld id="{3C77EE30-D0F2-4B05-A195-21ABA69E65F8}" type="slidenum">
+              <a:rPr lang="it-IT" smtClean="0"/>
+              <a:t>6</a:t>
+            </a:fld>
+            <a:endParaRPr lang="it-IT"/>
+          </a:p>
+        </p:txBody>
+      </p:sp>
+    </p:spTree>
+    <p:extLst>
+      <p:ext uri="{BB962C8B-B14F-4D97-AF65-F5344CB8AC3E}">
+        <p14:creationId xmlns:p14="http://schemas.microsoft.com/office/powerpoint/2010/main" val="2847816492"/>
+      </p:ext>
+    </p:extLst>
+  </p:cSld>
+  <p:clrMapOvr>
+    <a:masterClrMapping/>
+  </p:clrMapOvr>
+</p:notes>
+</file>
+
 <file path=ppt/slideLayouts/slideLayout1.xml><?xml version="1.0" encoding="utf-8"?>
 <p:sldLayout xmlns:a="http://schemas.openxmlformats.org/drawingml/2006/main" xmlns:r="http://schemas.openxmlformats.org/officeDocument/2006/relationships" xmlns:p="http://schemas.openxmlformats.org/presentationml/2006/main" showMasterSp="0" type="title" preserve="1">
   <p:cSld name="Diapositiva titolo">
@@ -17650,7 +18086,7 @@
         </p:spPr>
         <p:txBody>
           <a:bodyPr>
-            <a:normAutofit/>
+            <a:normAutofit fontScale="92500" lnSpcReduction="20000"/>
           </a:bodyPr>
           <a:lstStyle/>
           <a:p>
@@ -17670,8 +18106,29 @@
                   </a:schemeClr>
                 </a:solidFill>
               </a:rPr>
-              <a:t>We want to study students’ well-being according to different aspects of their life</a:t>
+              <a:t>We want to study students’ well-being according to different aspects of their life, </a:t>
             </a:r>
+            <a:r>
+              <a:rPr lang="en-US" sz="2400" dirty="0"/>
+              <a:t>considering the final indices instead of the specific questions addressed to the students</a:t>
+            </a:r>
+          </a:p>
+          <a:p>
+            <a:pPr>
+              <a:lnSpc>
+                <a:spcPct val="90000"/>
+              </a:lnSpc>
+              <a:spcAft>
+                <a:spcPts val="600"/>
+              </a:spcAft>
+            </a:pPr>
+            <a:endParaRPr lang="en-US" sz="2400" dirty="0">
+              <a:solidFill>
+                <a:schemeClr val="tx1">
+                  <a:alpha val="80000"/>
+                </a:schemeClr>
+              </a:solidFill>
+            </a:endParaRPr>
           </a:p>
           <a:p>
             <a:pPr marL="0" indent="0">
@@ -17708,7 +18165,7 @@
           <p:nvPr>
             <p:extLst>
               <p:ext uri="{D42A27DB-BD31-4B8C-83A1-F6EECF244321}">
-                <p14:modId xmlns:p14="http://schemas.microsoft.com/office/powerpoint/2010/main" val="3999483100"/>
+                <p14:modId xmlns:p14="http://schemas.microsoft.com/office/powerpoint/2010/main" val="3218981772"/>
               </p:ext>
             </p:extLst>
           </p:nvPr>
@@ -17995,6 +18452,36 @@
           </a:ln>
         </p:spPr>
       </p:pic>
+      <p:pic>
+        <p:nvPicPr>
+          <p:cNvPr id="4" name="Immagine 3">
+            <a:extLst>
+              <a:ext uri="{FF2B5EF4-FFF2-40B4-BE49-F238E27FC236}">
+                <a16:creationId xmlns:a16="http://schemas.microsoft.com/office/drawing/2014/main" id="{5A96D1F6-4D92-F2FE-48BE-CE8500D85F64}"/>
+              </a:ext>
+            </a:extLst>
+          </p:cNvPr>
+          <p:cNvPicPr>
+            <a:picLocks noChangeAspect="1"/>
+          </p:cNvPicPr>
+          <p:nvPr/>
+        </p:nvPicPr>
+        <p:blipFill>
+          <a:blip r:embed="rId3"/>
+          <a:stretch>
+            <a:fillRect/>
+          </a:stretch>
+        </p:blipFill>
+        <p:spPr>
+          <a:xfrm>
+            <a:off x="1000198" y="1457218"/>
+            <a:ext cx="1917800" cy="473182"/>
+          </a:xfrm>
+          <a:prstGeom prst="rect">
+            <a:avLst/>
+          </a:prstGeom>
+        </p:spPr>
+      </p:pic>
     </p:spTree>
     <p:extLst>
       <p:ext uri="{BB962C8B-B14F-4D97-AF65-F5344CB8AC3E}">
@@ -18068,15 +18555,15 @@
           <p:nvPr/>
         </p:nvPicPr>
         <p:blipFill>
-          <a:blip r:embed="rId2"/>
+          <a:blip r:embed="rId3"/>
           <a:stretch>
             <a:fillRect/>
           </a:stretch>
         </p:blipFill>
         <p:spPr>
           <a:xfrm>
-            <a:off x="510191" y="1378285"/>
-            <a:ext cx="6486989" cy="4003399"/>
+            <a:off x="264724" y="2082395"/>
+            <a:ext cx="5722419" cy="3531550"/>
           </a:xfrm>
           <a:prstGeom prst="rect">
             <a:avLst/>
@@ -18098,15 +18585,15 @@
           <p:nvPr/>
         </p:nvPicPr>
         <p:blipFill>
-          <a:blip r:embed="rId3"/>
+          <a:blip r:embed="rId4"/>
           <a:stretch>
             <a:fillRect/>
           </a:stretch>
         </p:blipFill>
         <p:spPr>
           <a:xfrm>
-            <a:off x="4940768" y="2549801"/>
-            <a:ext cx="6328241" cy="3905428"/>
+            <a:off x="5851687" y="1930399"/>
+            <a:ext cx="6114816" cy="3773715"/>
           </a:xfrm>
           <a:prstGeom prst="rect">
             <a:avLst/>
@@ -18197,8 +18684,8 @@
         </p:blipFill>
         <p:spPr>
           <a:xfrm>
-            <a:off x="1086407" y="1447942"/>
-            <a:ext cx="7778521" cy="4800458"/>
+            <a:off x="1173493" y="1393512"/>
+            <a:ext cx="8187595" cy="5052915"/>
           </a:xfrm>
         </p:spPr>
       </p:pic>
@@ -18452,11 +18939,11 @@
             </a:r>
             <a:r>
               <a:rPr lang="it-IT" sz="3200" dirty="0" err="1"/>
-              <a:t>observation</a:t>
+              <a:t>observations</a:t>
             </a:r>
             <a:r>
               <a:rPr lang="it-IT" sz="3200" dirty="0"/>
-              <a:t> by schools</a:t>
+              <a:t> by school</a:t>
             </a:r>
           </a:p>
           <a:p>
@@ -18801,4 +19288,299 @@
     </a:ext>
   </a:extLst>
 </a:theme>
+</file>
+
+<file path=ppt/theme/theme2.xml><?xml version="1.0" encoding="utf-8"?>
+<a:theme xmlns:a="http://schemas.openxmlformats.org/drawingml/2006/main" name="Tema di Office">
+  <a:themeElements>
+    <a:clrScheme name="Office">
+      <a:dk1>
+        <a:sysClr val="windowText" lastClr="000000"/>
+      </a:dk1>
+      <a:lt1>
+        <a:sysClr val="window" lastClr="FFFFFF"/>
+      </a:lt1>
+      <a:dk2>
+        <a:srgbClr val="44546A"/>
+      </a:dk2>
+      <a:lt2>
+        <a:srgbClr val="E7E6E6"/>
+      </a:lt2>
+      <a:accent1>
+        <a:srgbClr val="4472C4"/>
+      </a:accent1>
+      <a:accent2>
+        <a:srgbClr val="ED7D31"/>
+      </a:accent2>
+      <a:accent3>
+        <a:srgbClr val="A5A5A5"/>
+      </a:accent3>
+      <a:accent4>
+        <a:srgbClr val="FFC000"/>
+      </a:accent4>
+      <a:accent5>
+        <a:srgbClr val="5B9BD5"/>
+      </a:accent5>
+      <a:accent6>
+        <a:srgbClr val="70AD47"/>
+      </a:accent6>
+      <a:hlink>
+        <a:srgbClr val="0563C1"/>
+      </a:hlink>
+      <a:folHlink>
+        <a:srgbClr val="954F72"/>
+      </a:folHlink>
+    </a:clrScheme>
+    <a:fontScheme name="Office">
+      <a:majorFont>
+        <a:latin typeface="Calibri Light" panose="020F0302020204030204"/>
+        <a:ea typeface=""/>
+        <a:cs typeface=""/>
+        <a:font script="Jpan" typeface="游ゴシック Light"/>
+        <a:font script="Hang" typeface="맑은 고딕"/>
+        <a:font script="Hans" typeface="等线 Light"/>
+        <a:font script="Hant" typeface="新細明體"/>
+        <a:font script="Arab" typeface="Times New Roman"/>
+        <a:font script="Hebr" typeface="Times New Roman"/>
+        <a:font script="Thai" typeface="Angsana New"/>
+        <a:font script="Ethi" typeface="Nyala"/>
+        <a:font script="Beng" typeface="Vrinda"/>
+        <a:font script="Gujr" typeface="Shruti"/>
+        <a:font script="Khmr" typeface="MoolBoran"/>
+        <a:font script="Knda" typeface="Tunga"/>
+        <a:font script="Guru" typeface="Raavi"/>
+        <a:font script="Cans" typeface="Euphemia"/>
+        <a:font script="Cher" typeface="Plantagenet Cherokee"/>
+        <a:font script="Yiii" typeface="Microsoft Yi Baiti"/>
+        <a:font script="Tibt" typeface="Microsoft Himalaya"/>
+        <a:font script="Thaa" typeface="MV Boli"/>
+        <a:font script="Deva" typeface="Mangal"/>
+        <a:font script="Telu" typeface="Gautami"/>
+        <a:font script="Taml" typeface="Latha"/>
+        <a:font script="Syrc" typeface="Estrangelo Edessa"/>
+        <a:font script="Orya" typeface="Kalinga"/>
+        <a:font script="Mlym" typeface="Kartika"/>
+        <a:font script="Laoo" typeface="DokChampa"/>
+        <a:font script="Sinh" typeface="Iskoola Pota"/>
+        <a:font script="Mong" typeface="Mongolian Baiti"/>
+        <a:font script="Viet" typeface="Times New Roman"/>
+        <a:font script="Uigh" typeface="Microsoft Uighur"/>
+        <a:font script="Geor" typeface="Sylfaen"/>
+        <a:font script="Armn" typeface="Arial"/>
+        <a:font script="Bugi" typeface="Leelawadee UI"/>
+        <a:font script="Bopo" typeface="Microsoft JhengHei"/>
+        <a:font script="Java" typeface="Javanese Text"/>
+        <a:font script="Lisu" typeface="Segoe UI"/>
+        <a:font script="Mymr" typeface="Myanmar Text"/>
+        <a:font script="Nkoo" typeface="Ebrima"/>
+        <a:font script="Olck" typeface="Nirmala UI"/>
+        <a:font script="Osma" typeface="Ebrima"/>
+        <a:font script="Phag" typeface="Phagspa"/>
+        <a:font script="Syrn" typeface="Estrangelo Edessa"/>
+        <a:font script="Syrj" typeface="Estrangelo Edessa"/>
+        <a:font script="Syre" typeface="Estrangelo Edessa"/>
+        <a:font script="Sora" typeface="Nirmala UI"/>
+        <a:font script="Tale" typeface="Microsoft Tai Le"/>
+        <a:font script="Talu" typeface="Microsoft New Tai Lue"/>
+        <a:font script="Tfng" typeface="Ebrima"/>
+      </a:majorFont>
+      <a:minorFont>
+        <a:latin typeface="Calibri" panose="020F0502020204030204"/>
+        <a:ea typeface=""/>
+        <a:cs typeface=""/>
+        <a:font script="Jpan" typeface="游ゴシック"/>
+        <a:font script="Hang" typeface="맑은 고딕"/>
+        <a:font script="Hans" typeface="等线"/>
+        <a:font script="Hant" typeface="新細明體"/>
+        <a:font script="Arab" typeface="Arial"/>
+        <a:font script="Hebr" typeface="Arial"/>
+        <a:font script="Thai" typeface="Cordia New"/>
+        <a:font script="Ethi" typeface="Nyala"/>
+        <a:font script="Beng" typeface="Vrinda"/>
+        <a:font script="Gujr" typeface="Shruti"/>
+        <a:font script="Khmr" typeface="DaunPenh"/>
+        <a:font script="Knda" typeface="Tunga"/>
+        <a:font script="Guru" typeface="Raavi"/>
+        <a:font script="Cans" typeface="Euphemia"/>
+        <a:font script="Cher" typeface="Plantagenet Cherokee"/>
+        <a:font script="Yiii" typeface="Microsoft Yi Baiti"/>
+        <a:font script="Tibt" typeface="Microsoft Himalaya"/>
+        <a:font script="Thaa" typeface="MV Boli"/>
+        <a:font script="Deva" typeface="Mangal"/>
+        <a:font script="Telu" typeface="Gautami"/>
+        <a:font script="Taml" typeface="Latha"/>
+        <a:font script="Syrc" typeface="Estrangelo Edessa"/>
+        <a:font script="Orya" typeface="Kalinga"/>
+        <a:font script="Mlym" typeface="Kartika"/>
+        <a:font script="Laoo" typeface="DokChampa"/>
+        <a:font script="Sinh" typeface="Iskoola Pota"/>
+        <a:font script="Mong" typeface="Mongolian Baiti"/>
+        <a:font script="Viet" typeface="Arial"/>
+        <a:font script="Uigh" typeface="Microsoft Uighur"/>
+        <a:font script="Geor" typeface="Sylfaen"/>
+        <a:font script="Armn" typeface="Arial"/>
+        <a:font script="Bugi" typeface="Leelawadee UI"/>
+        <a:font script="Bopo" typeface="Microsoft JhengHei"/>
+        <a:font script="Java" typeface="Javanese Text"/>
+        <a:font script="Lisu" typeface="Segoe UI"/>
+        <a:font script="Mymr" typeface="Myanmar Text"/>
+        <a:font script="Nkoo" typeface="Ebrima"/>
+        <a:font script="Olck" typeface="Nirmala UI"/>
+        <a:font script="Osma" typeface="Ebrima"/>
+        <a:font script="Phag" typeface="Phagspa"/>
+        <a:font script="Syrn" typeface="Estrangelo Edessa"/>
+        <a:font script="Syrj" typeface="Estrangelo Edessa"/>
+        <a:font script="Syre" typeface="Estrangelo Edessa"/>
+        <a:font script="Sora" typeface="Nirmala UI"/>
+        <a:font script="Tale" typeface="Microsoft Tai Le"/>
+        <a:font script="Talu" typeface="Microsoft New Tai Lue"/>
+        <a:font script="Tfng" typeface="Ebrima"/>
+      </a:minorFont>
+    </a:fontScheme>
+    <a:fmtScheme name="Office">
+      <a:fillStyleLst>
+        <a:solidFill>
+          <a:schemeClr val="phClr"/>
+        </a:solidFill>
+        <a:gradFill rotWithShape="1">
+          <a:gsLst>
+            <a:gs pos="0">
+              <a:schemeClr val="phClr">
+                <a:lumMod val="110000"/>
+                <a:satMod val="105000"/>
+                <a:tint val="67000"/>
+              </a:schemeClr>
+            </a:gs>
+            <a:gs pos="50000">
+              <a:schemeClr val="phClr">
+                <a:lumMod val="105000"/>
+                <a:satMod val="103000"/>
+                <a:tint val="73000"/>
+              </a:schemeClr>
+            </a:gs>
+            <a:gs pos="100000">
+              <a:schemeClr val="phClr">
+                <a:lumMod val="105000"/>
+                <a:satMod val="109000"/>
+                <a:tint val="81000"/>
+              </a:schemeClr>
+            </a:gs>
+          </a:gsLst>
+          <a:lin ang="5400000" scaled="0"/>
+        </a:gradFill>
+        <a:gradFill rotWithShape="1">
+          <a:gsLst>
+            <a:gs pos="0">
+              <a:schemeClr val="phClr">
+                <a:satMod val="103000"/>
+                <a:lumMod val="102000"/>
+                <a:tint val="94000"/>
+              </a:schemeClr>
+            </a:gs>
+            <a:gs pos="50000">
+              <a:schemeClr val="phClr">
+                <a:satMod val="110000"/>
+                <a:lumMod val="100000"/>
+                <a:shade val="100000"/>
+              </a:schemeClr>
+            </a:gs>
+            <a:gs pos="100000">
+              <a:schemeClr val="phClr">
+                <a:lumMod val="99000"/>
+                <a:satMod val="120000"/>
+                <a:shade val="78000"/>
+              </a:schemeClr>
+            </a:gs>
+          </a:gsLst>
+          <a:lin ang="5400000" scaled="0"/>
+        </a:gradFill>
+      </a:fillStyleLst>
+      <a:lnStyleLst>
+        <a:ln w="6350" cap="flat" cmpd="sng" algn="ctr">
+          <a:solidFill>
+            <a:schemeClr val="phClr"/>
+          </a:solidFill>
+          <a:prstDash val="solid"/>
+          <a:miter lim="800000"/>
+        </a:ln>
+        <a:ln w="12700" cap="flat" cmpd="sng" algn="ctr">
+          <a:solidFill>
+            <a:schemeClr val="phClr"/>
+          </a:solidFill>
+          <a:prstDash val="solid"/>
+          <a:miter lim="800000"/>
+        </a:ln>
+        <a:ln w="19050" cap="flat" cmpd="sng" algn="ctr">
+          <a:solidFill>
+            <a:schemeClr val="phClr"/>
+          </a:solidFill>
+          <a:prstDash val="solid"/>
+          <a:miter lim="800000"/>
+        </a:ln>
+      </a:lnStyleLst>
+      <a:effectStyleLst>
+        <a:effectStyle>
+          <a:effectLst/>
+        </a:effectStyle>
+        <a:effectStyle>
+          <a:effectLst/>
+        </a:effectStyle>
+        <a:effectStyle>
+          <a:effectLst>
+            <a:outerShdw blurRad="57150" dist="19050" dir="5400000" algn="ctr" rotWithShape="0">
+              <a:srgbClr val="000000">
+                <a:alpha val="63000"/>
+              </a:srgbClr>
+            </a:outerShdw>
+          </a:effectLst>
+        </a:effectStyle>
+      </a:effectStyleLst>
+      <a:bgFillStyleLst>
+        <a:solidFill>
+          <a:schemeClr val="phClr"/>
+        </a:solidFill>
+        <a:solidFill>
+          <a:schemeClr val="phClr">
+            <a:tint val="95000"/>
+            <a:satMod val="170000"/>
+          </a:schemeClr>
+        </a:solidFill>
+        <a:gradFill rotWithShape="1">
+          <a:gsLst>
+            <a:gs pos="0">
+              <a:schemeClr val="phClr">
+                <a:tint val="93000"/>
+                <a:satMod val="150000"/>
+                <a:shade val="98000"/>
+                <a:lumMod val="102000"/>
+              </a:schemeClr>
+            </a:gs>
+            <a:gs pos="50000">
+              <a:schemeClr val="phClr">
+                <a:tint val="98000"/>
+                <a:satMod val="130000"/>
+                <a:shade val="90000"/>
+                <a:lumMod val="103000"/>
+              </a:schemeClr>
+            </a:gs>
+            <a:gs pos="100000">
+              <a:schemeClr val="phClr">
+                <a:shade val="63000"/>
+                <a:satMod val="120000"/>
+              </a:schemeClr>
+            </a:gs>
+          </a:gsLst>
+          <a:lin ang="5400000" scaled="0"/>
+        </a:gradFill>
+      </a:bgFillStyleLst>
+    </a:fmtScheme>
+  </a:themeElements>
+  <a:objectDefaults/>
+  <a:extraClrSchemeLst/>
+  <a:extLst>
+    <a:ext uri="{05A4C25C-085E-4340-85A3-A5531E510DB2}">
+      <thm15:themeFamily xmlns:thm15="http://schemas.microsoft.com/office/thememl/2012/main" name="Office Theme" id="{62F939B6-93AF-4DB8-9C6B-D6C7DFDC589F}" vid="{4A3C46E8-61CC-4603-A589-7422A47A8E4A}"/>
+    </a:ext>
+  </a:extLst>
+</a:theme>
 </file>
--- a/showcase/prese.pptx
+++ b/showcase/prese.pptx
@@ -3244,10 +3244,10 @@
     <dgm:cxn modelId="{0E4E5538-09EC-9D4E-A148-18A1492FC506}" srcId="{CAF1D921-1681-7348-88CC-AA32561F92B2}" destId="{ABF5E4A4-F13A-154B-AC19-10D2A30A8230}" srcOrd="1" destOrd="0" parTransId="{0AEDF0F2-6CE1-6D45-B59B-162572EFD718}" sibTransId="{C424AE96-27DF-0044-876E-993CAEC3D91A}"/>
     <dgm:cxn modelId="{1BFDEB39-632D-C64D-A46F-CAC4078087FE}" srcId="{8A9525E1-6B9A-774A-A695-06315E4BAA1A}" destId="{71AB543D-BC95-1D46-AF75-62111A2B39A8}" srcOrd="0" destOrd="0" parTransId="{110CA2E3-AE54-3149-BC95-A000EA94CE3A}" sibTransId="{8471FAAD-228F-EF45-A513-1849FF57D106}"/>
     <dgm:cxn modelId="{DF50DB41-1361-8E41-AA4E-15B94B8FB926}" type="presOf" srcId="{077EB10D-48AE-9141-B978-1DED0861B6DA}" destId="{F7D31FF4-B669-CA40-AF70-2181A70448A5}" srcOrd="0" destOrd="0" presId="urn:microsoft.com/office/officeart/2008/layout/SquareAccentList"/>
+    <dgm:cxn modelId="{EC3B4959-5DAD-D842-A683-2F3F17C0DB02}" srcId="{4CBBF0B5-38EC-4C4C-8AB8-50ABE97970BA}" destId="{E7AA2903-4A84-FB4B-9ADF-3D2706F4B5F4}" srcOrd="2" destOrd="0" parTransId="{211A4970-C8BE-6A4E-B09F-A62CF1AB09E5}" sibTransId="{6C5123FC-A58F-444B-B179-8AED5301EA10}"/>
+    <dgm:cxn modelId="{D56EAD59-B6C8-6048-9F83-B20EACA0FDC2}" type="presOf" srcId="{E7AA2903-4A84-FB4B-9ADF-3D2706F4B5F4}" destId="{783C34D2-4290-344A-8B52-D7C25E6D49D6}" srcOrd="0" destOrd="0" presId="urn:microsoft.com/office/officeart/2008/layout/SquareAccentList"/>
     <dgm:cxn modelId="{6C4B916D-440C-FB47-8D47-0C39210EE29F}" type="presOf" srcId="{2CABA780-A221-A848-B02E-7D5AB5CC424B}" destId="{ABD02B02-BD5E-B84E-BEEE-372633B46A16}" srcOrd="0" destOrd="0" presId="urn:microsoft.com/office/officeart/2008/layout/SquareAccentList"/>
     <dgm:cxn modelId="{C795BA6E-54FE-4746-A163-BC380AED9215}" type="presOf" srcId="{9D2DE1C1-1723-B542-B09E-751874191587}" destId="{E33644E6-40A1-ED41-A981-BACBF8E7C3D6}" srcOrd="0" destOrd="0" presId="urn:microsoft.com/office/officeart/2008/layout/SquareAccentList"/>
-    <dgm:cxn modelId="{EC3B4959-5DAD-D842-A683-2F3F17C0DB02}" srcId="{4CBBF0B5-38EC-4C4C-8AB8-50ABE97970BA}" destId="{E7AA2903-4A84-FB4B-9ADF-3D2706F4B5F4}" srcOrd="2" destOrd="0" parTransId="{211A4970-C8BE-6A4E-B09F-A62CF1AB09E5}" sibTransId="{6C5123FC-A58F-444B-B179-8AED5301EA10}"/>
-    <dgm:cxn modelId="{D56EAD59-B6C8-6048-9F83-B20EACA0FDC2}" type="presOf" srcId="{E7AA2903-4A84-FB4B-9ADF-3D2706F4B5F4}" destId="{783C34D2-4290-344A-8B52-D7C25E6D49D6}" srcOrd="0" destOrd="0" presId="urn:microsoft.com/office/officeart/2008/layout/SquareAccentList"/>
     <dgm:cxn modelId="{2784D17E-C710-4F48-8266-DF6D48C705CB}" type="presOf" srcId="{79FC4352-907F-F246-A3DF-C9548E420435}" destId="{C59914C7-BACA-6F43-9CBF-4BB5745A584B}" srcOrd="0" destOrd="0" presId="urn:microsoft.com/office/officeart/2008/layout/SquareAccentList"/>
     <dgm:cxn modelId="{B7E7C78E-2B0C-3C4C-A14A-7C8D802CABC0}" type="presOf" srcId="{26B3EE47-9468-FC42-9DC3-311785305963}" destId="{9D7B3F4C-5D95-D644-B681-675D2057D385}" srcOrd="0" destOrd="0" presId="urn:microsoft.com/office/officeart/2008/layout/SquareAccentList"/>
     <dgm:cxn modelId="{8945999C-2434-C942-8BED-675CED9A99E4}" type="presOf" srcId="{CAF1D921-1681-7348-88CC-AA32561F92B2}" destId="{9F4B6F74-20CE-134B-861E-1E2C57BB1704}" srcOrd="0" destOrd="0" presId="urn:microsoft.com/office/officeart/2008/layout/SquareAccentList"/>
@@ -3667,9 +3667,9 @@
     <dgm:cxn modelId="{43319616-4EB0-3646-BC53-58D7352AF711}" type="presOf" srcId="{E4C1F4D0-9D68-AC45-A8F3-98C401B3FBA5}" destId="{85AC58AD-55C1-5E44-9A8E-5D5BA6BF971C}" srcOrd="0" destOrd="0" presId="urn:microsoft.com/office/officeart/2009/3/layout/CircleRelationship"/>
     <dgm:cxn modelId="{836DBF1F-CD03-7C41-B441-3F2F5436CD87}" srcId="{4CBBF0B5-38EC-4C4C-8AB8-50ABE97970BA}" destId="{87A125BA-96DE-8D45-BD78-623C9DAF6AF0}" srcOrd="0" destOrd="0" parTransId="{57DD6C97-1534-234C-9855-6523711949F2}" sibTransId="{13187314-E869-4148-8A63-FF11011901B7}"/>
     <dgm:cxn modelId="{0EC9C632-5A2B-BD4B-B64C-6D7E85C3BFBD}" type="presOf" srcId="{4CBBF0B5-38EC-4C4C-8AB8-50ABE97970BA}" destId="{019DE8C9-7371-2942-83E8-5E9002A73A8B}" srcOrd="0" destOrd="0" presId="urn:microsoft.com/office/officeart/2009/3/layout/CircleRelationship"/>
-    <dgm:cxn modelId="{B83D8D65-3B4D-B048-8ADF-35BADAD591D3}" type="presOf" srcId="{26B3EE47-9468-FC42-9DC3-311785305963}" destId="{9ACF4B3A-7508-DD47-AE76-AF2532F6AF92}" srcOrd="0" destOrd="0" presId="urn:microsoft.com/office/officeart/2009/3/layout/CircleRelationship"/>
     <dgm:cxn modelId="{EC3B4959-5DAD-D842-A683-2F3F17C0DB02}" srcId="{4CBBF0B5-38EC-4C4C-8AB8-50ABE97970BA}" destId="{E7AA2903-4A84-FB4B-9ADF-3D2706F4B5F4}" srcOrd="2" destOrd="0" parTransId="{211A4970-C8BE-6A4E-B09F-A62CF1AB09E5}" sibTransId="{6C5123FC-A58F-444B-B179-8AED5301EA10}"/>
     <dgm:cxn modelId="{31FD5F5A-211C-9744-9DCB-3646CEB4AA93}" type="presOf" srcId="{9D2DE1C1-1723-B542-B09E-751874191587}" destId="{DABFB9DD-EC09-3B40-9E91-2232E301AAAD}" srcOrd="0" destOrd="0" presId="urn:microsoft.com/office/officeart/2009/3/layout/CircleRelationship"/>
+    <dgm:cxn modelId="{B83D8D65-3B4D-B048-8ADF-35BADAD591D3}" type="presOf" srcId="{26B3EE47-9468-FC42-9DC3-311785305963}" destId="{9ACF4B3A-7508-DD47-AE76-AF2532F6AF92}" srcOrd="0" destOrd="0" presId="urn:microsoft.com/office/officeart/2009/3/layout/CircleRelationship"/>
     <dgm:cxn modelId="{163C1994-2035-F441-9B03-F4EC15DA0A08}" type="presOf" srcId="{87A125BA-96DE-8D45-BD78-623C9DAF6AF0}" destId="{FC3B0873-C55E-E04A-97FD-C61BBC035CF9}" srcOrd="0" destOrd="0" presId="urn:microsoft.com/office/officeart/2009/3/layout/CircleRelationship"/>
     <dgm:cxn modelId="{D319B795-7BBA-D44C-AFCC-38EDC43A75EB}" srcId="{4CBBF0B5-38EC-4C4C-8AB8-50ABE97970BA}" destId="{E4C1F4D0-9D68-AC45-A8F3-98C401B3FBA5}" srcOrd="3" destOrd="0" parTransId="{304F6B76-6D46-F04D-AA76-2ED01B6D8C44}" sibTransId="{589BCAAE-AC08-D242-80A4-A9150E0F05A1}"/>
     <dgm:cxn modelId="{69B649EA-98E6-EF4E-AE98-03172B7B203F}" srcId="{4CBBF0B5-38EC-4C4C-8AB8-50ABE97970BA}" destId="{26B3EE47-9468-FC42-9DC3-311785305963}" srcOrd="1" destOrd="0" parTransId="{7C656981-2D81-514D-A517-A761AC985AE9}" sibTransId="{20995B3F-0A04-BF40-B3F7-92F59C735CFF}"/>
@@ -4075,8 +4075,8 @@
     </dgm:pt>
   </dgm:ptLst>
   <dgm:cxnLst>
+    <dgm:cxn modelId="{9866E15A-D9C2-594A-B68D-DA65D63B9134}" type="presOf" srcId="{9A0FD471-BB4C-E944-AFDB-48534219364B}" destId="{1F5F9F29-D6D8-3E4F-83B0-2511DC6A8C4F}" srcOrd="0" destOrd="0" presId="urn:microsoft.com/office/officeart/2005/8/layout/vList4"/>
     <dgm:cxn modelId="{D4254D72-36EE-3C4A-8406-4A121F164299}" type="presOf" srcId="{7219C1C0-52EF-2348-88DF-B7A7C221B091}" destId="{F4E73331-6FC2-DC46-950F-96545C9A5EDC}" srcOrd="0" destOrd="0" presId="urn:microsoft.com/office/officeart/2005/8/layout/vList4"/>
-    <dgm:cxn modelId="{9866E15A-D9C2-594A-B68D-DA65D63B9134}" type="presOf" srcId="{9A0FD471-BB4C-E944-AFDB-48534219364B}" destId="{1F5F9F29-D6D8-3E4F-83B0-2511DC6A8C4F}" srcOrd="0" destOrd="0" presId="urn:microsoft.com/office/officeart/2005/8/layout/vList4"/>
     <dgm:cxn modelId="{74F5848D-0454-3047-8BEA-9C9E90BD94F6}" type="presOf" srcId="{9A0FD471-BB4C-E944-AFDB-48534219364B}" destId="{852DC903-1F32-494E-B3AF-4BD370AD47C0}" srcOrd="1" destOrd="0" presId="urn:microsoft.com/office/officeart/2005/8/layout/vList4"/>
     <dgm:cxn modelId="{7A325B95-8B83-8848-B5AC-79DA171E235B}" srcId="{D487F59A-6ED8-E341-B0A3-C609103CDEFC}" destId="{099479BF-37A7-7746-960F-9C6C167D48D4}" srcOrd="3" destOrd="0" parTransId="{EA79DE6C-7219-164B-8133-030724147E48}" sibTransId="{BB82BE25-0358-1A41-8478-29E5F8563378}"/>
     <dgm:cxn modelId="{3EE9D2A9-9675-6147-B486-68A77B9ED032}" type="presOf" srcId="{7219C1C0-52EF-2348-88DF-B7A7C221B091}" destId="{98CB26AC-9AA7-2E4C-8311-C1958288DC92}" srcOrd="1" destOrd="0" presId="urn:microsoft.com/office/officeart/2005/8/layout/vList4"/>
@@ -11688,7 +11688,7 @@
           <a:p>
             <a:fld id="{DFD357FE-BBC3-4DED-AFC2-2EF6F7E33DD5}" type="datetimeFigureOut">
               <a:rPr lang="it-IT" smtClean="0"/>
-              <a:t>mer 19/04/y</a:t>
+              <a:t>19/04/23</a:t>
             </a:fld>
             <a:endParaRPr lang="it-IT"/>
           </a:p>
@@ -12761,7 +12761,7 @@
           <a:p>
             <a:fld id="{2FF21B59-81B8-4680-BD0E-83FDCB885AD8}" type="datetimeFigureOut">
               <a:rPr lang="it-IT" smtClean="0"/>
-              <a:t>mer 19/04/y</a:t>
+              <a:t>19/04/23</a:t>
             </a:fld>
             <a:endParaRPr lang="it-IT"/>
           </a:p>
@@ -13012,7 +13012,7 @@
           <a:p>
             <a:fld id="{2FF21B59-81B8-4680-BD0E-83FDCB885AD8}" type="datetimeFigureOut">
               <a:rPr lang="it-IT" smtClean="0"/>
-              <a:t>mer 19/04/y</a:t>
+              <a:t>19/04/23</a:t>
             </a:fld>
             <a:endParaRPr lang="it-IT"/>
           </a:p>
@@ -13326,7 +13326,7 @@
           <a:p>
             <a:fld id="{2FF21B59-81B8-4680-BD0E-83FDCB885AD8}" type="datetimeFigureOut">
               <a:rPr lang="it-IT" smtClean="0"/>
-              <a:t>mer 19/04/y</a:t>
+              <a:t>19/04/23</a:t>
             </a:fld>
             <a:endParaRPr lang="it-IT"/>
           </a:p>
@@ -13667,7 +13667,7 @@
           <a:p>
             <a:fld id="{2FF21B59-81B8-4680-BD0E-83FDCB885AD8}" type="datetimeFigureOut">
               <a:rPr lang="it-IT" smtClean="0"/>
-              <a:t>mer 19/04/y</a:t>
+              <a:t>19/04/23</a:t>
             </a:fld>
             <a:endParaRPr lang="it-IT"/>
           </a:p>
@@ -13981,7 +13981,7 @@
           <a:p>
             <a:fld id="{2FF21B59-81B8-4680-BD0E-83FDCB885AD8}" type="datetimeFigureOut">
               <a:rPr lang="it-IT" smtClean="0"/>
-              <a:t>mer 19/04/y</a:t>
+              <a:t>19/04/23</a:t>
             </a:fld>
             <a:endParaRPr lang="it-IT"/>
           </a:p>
@@ -14374,7 +14374,7 @@
           <a:p>
             <a:fld id="{2FF21B59-81B8-4680-BD0E-83FDCB885AD8}" type="datetimeFigureOut">
               <a:rPr lang="it-IT" smtClean="0"/>
-              <a:t>mer 19/04/y</a:t>
+              <a:t>19/04/23</a:t>
             </a:fld>
             <a:endParaRPr lang="it-IT"/>
           </a:p>
@@ -14544,7 +14544,7 @@
           <a:p>
             <a:fld id="{2FF21B59-81B8-4680-BD0E-83FDCB885AD8}" type="datetimeFigureOut">
               <a:rPr lang="it-IT" smtClean="0"/>
-              <a:t>mer 19/04/y</a:t>
+              <a:t>19/04/23</a:t>
             </a:fld>
             <a:endParaRPr lang="it-IT"/>
           </a:p>
@@ -14724,7 +14724,7 @@
           <a:p>
             <a:fld id="{2FF21B59-81B8-4680-BD0E-83FDCB885AD8}" type="datetimeFigureOut">
               <a:rPr lang="it-IT" smtClean="0"/>
-              <a:t>mer 19/04/y</a:t>
+              <a:t>19/04/23</a:t>
             </a:fld>
             <a:endParaRPr lang="it-IT"/>
           </a:p>
@@ -14900,7 +14900,7 @@
           <a:p>
             <a:fld id="{2FF21B59-81B8-4680-BD0E-83FDCB885AD8}" type="datetimeFigureOut">
               <a:rPr lang="it-IT" smtClean="0"/>
-              <a:t>mer 19/04/y</a:t>
+              <a:t>19/04/23</a:t>
             </a:fld>
             <a:endParaRPr lang="it-IT"/>
           </a:p>
@@ -15147,7 +15147,7 @@
           <a:p>
             <a:fld id="{2FF21B59-81B8-4680-BD0E-83FDCB885AD8}" type="datetimeFigureOut">
               <a:rPr lang="it-IT" smtClean="0"/>
-              <a:t>mer 19/04/y</a:t>
+              <a:t>19/04/23</a:t>
             </a:fld>
             <a:endParaRPr lang="it-IT"/>
           </a:p>
@@ -15379,7 +15379,7 @@
           <a:p>
             <a:fld id="{2FF21B59-81B8-4680-BD0E-83FDCB885AD8}" type="datetimeFigureOut">
               <a:rPr lang="it-IT" smtClean="0"/>
-              <a:t>mer 19/04/y</a:t>
+              <a:t>19/04/23</a:t>
             </a:fld>
             <a:endParaRPr lang="it-IT"/>
           </a:p>
@@ -15753,7 +15753,7 @@
           <a:p>
             <a:fld id="{2FF21B59-81B8-4680-BD0E-83FDCB885AD8}" type="datetimeFigureOut">
               <a:rPr lang="it-IT" smtClean="0"/>
-              <a:t>mer 19/04/y</a:t>
+              <a:t>19/04/23</a:t>
             </a:fld>
             <a:endParaRPr lang="it-IT"/>
           </a:p>
@@ -15876,7 +15876,7 @@
           <a:p>
             <a:fld id="{2FF21B59-81B8-4680-BD0E-83FDCB885AD8}" type="datetimeFigureOut">
               <a:rPr lang="it-IT" smtClean="0"/>
-              <a:t>mer 19/04/y</a:t>
+              <a:t>19/04/23</a:t>
             </a:fld>
             <a:endParaRPr lang="it-IT"/>
           </a:p>
@@ -15971,7 +15971,7 @@
           <a:p>
             <a:fld id="{2FF21B59-81B8-4680-BD0E-83FDCB885AD8}" type="datetimeFigureOut">
               <a:rPr lang="it-IT" smtClean="0"/>
-              <a:t>mer 19/04/y</a:t>
+              <a:t>19/04/23</a:t>
             </a:fld>
             <a:endParaRPr lang="it-IT"/>
           </a:p>
@@ -16226,7 +16226,7 @@
           <a:p>
             <a:fld id="{2FF21B59-81B8-4680-BD0E-83FDCB885AD8}" type="datetimeFigureOut">
               <a:rPr lang="it-IT" smtClean="0"/>
-              <a:t>mer 19/04/y</a:t>
+              <a:t>19/04/23</a:t>
             </a:fld>
             <a:endParaRPr lang="it-IT"/>
           </a:p>
@@ -16489,7 +16489,7 @@
           <a:p>
             <a:fld id="{2FF21B59-81B8-4680-BD0E-83FDCB885AD8}" type="datetimeFigureOut">
               <a:rPr lang="it-IT" smtClean="0"/>
-              <a:t>mer 19/04/y</a:t>
+              <a:t>19/04/23</a:t>
             </a:fld>
             <a:endParaRPr lang="it-IT"/>
           </a:p>
@@ -17232,7 +17232,7 @@
           <a:p>
             <a:fld id="{2FF21B59-81B8-4680-BD0E-83FDCB885AD8}" type="datetimeFigureOut">
               <a:rPr lang="it-IT" smtClean="0"/>
-              <a:t>mer 19/04/y</a:t>
+              <a:t>19/04/23</a:t>
             </a:fld>
             <a:endParaRPr lang="it-IT"/>
           </a:p>
